--- a/lecture/9/09.pptx
+++ b/lecture/9/09.pptx
@@ -14918,7 +14918,7 @@
           <a:p>
             <a:fld id="{73B2889B-A0AC-4482-8592-5C96F2309420}" type="datetimeFigureOut">
               <a:rPr lang="en-US" smtClean="0"/>
-              <a:t>10/30/2022</a:t>
+              <a:t>10/31/2022</a:t>
             </a:fld>
             <a:endParaRPr lang="en-US"/>
           </a:p>
@@ -15095,7 +15095,7 @@
           <a:p>
             <a:fld id="{830EB223-FFC0-462A-A3B8-EAA7CE0F8CBD}" type="datetimeFigureOut">
               <a:rPr lang="en-US" smtClean="0"/>
-              <a:t>10/30/2022</a:t>
+              <a:t>10/31/2022</a:t>
             </a:fld>
             <a:endParaRPr lang="en-US" dirty="0"/>
           </a:p>
@@ -18389,7 +18389,7 @@
                 <a:cs typeface="Arial"/>
                 <a:sym typeface="Arial"/>
               </a:rPr>
-              <a:t>Marketing capability and asset synergy. </a:t>
+              <a:t>Marketing, R&amp;D, operation capability and asset synergy. </a:t>
             </a:r>
             <a:endParaRPr lang="en-US" altLang="en-US" dirty="0"/>
           </a:p>
@@ -18579,7 +18579,7 @@
           <a:p>
             <a:fld id="{DECF21A4-E71B-4D3A-AF45-E989C23A7BB1}" type="datetimeFigureOut">
               <a:rPr lang="en-US" smtClean="0"/>
-              <a:t>10/30/2022</a:t>
+              <a:t>10/31/2022</a:t>
             </a:fld>
             <a:endParaRPr lang="en-US" dirty="0"/>
           </a:p>
@@ -18844,7 +18844,7 @@
           <a:p>
             <a:fld id="{DECF21A4-E71B-4D3A-AF45-E989C23A7BB1}" type="datetimeFigureOut">
               <a:rPr lang="en-US" smtClean="0"/>
-              <a:t>10/30/2022</a:t>
+              <a:t>10/31/2022</a:t>
             </a:fld>
             <a:endParaRPr lang="en-US" dirty="0"/>
           </a:p>
@@ -20433,7 +20433,7 @@
           <a:p>
             <a:fld id="{DECF21A4-E71B-4D3A-AF45-E989C23A7BB1}" type="datetimeFigureOut">
               <a:rPr lang="en-US" smtClean="0"/>
-              <a:t>10/30/2022</a:t>
+              <a:t>10/31/2022</a:t>
             </a:fld>
             <a:endParaRPr lang="en-US" dirty="0"/>
           </a:p>
